--- a/Presentation.pptx
+++ b/Presentation.pptx
@@ -6,8 +6,9 @@
   </p:sldMasterIdLst>
   <p:sldIdLst>
     <p:sldId id="256" r:id="rId2"/>
-    <p:sldId id="257" r:id="rId3"/>
-    <p:sldId id="258" r:id="rId4"/>
+    <p:sldId id="259" r:id="rId3"/>
+    <p:sldId id="257" r:id="rId4"/>
+    <p:sldId id="258" r:id="rId5"/>
   </p:sldIdLst>
   <p:sldSz cx="12192000" cy="6858000"/>
   <p:notesSz cx="6858000" cy="9144000"/>
@@ -106,6 +107,11 @@
       </a:defRPr>
     </a:lvl9pPr>
   </p:defaultTextStyle>
+  <p:extLst>
+    <p:ext uri="{EFAFB233-063F-42B5-8137-9DF3F51BA10A}">
+      <p15:sldGuideLst xmlns:p15="http://schemas.microsoft.com/office/powerpoint/2012/main"/>
+    </p:ext>
+  </p:extLst>
 </p:presentation>
 </file>
 
@@ -323,7 +329,7 @@
             <a:fld id="{B61BEF0D-F0BB-DE4B-95CE-6DB70DBA9567}" type="datetimeFigureOut">
               <a:rPr lang="en-US" dirty="0"/>
               <a:pPr/>
-              <a:t>8/26/2015</a:t>
+              <a:t>8/27/2015</a:t>
             </a:fld>
             <a:endParaRPr lang="en-US" dirty="0"/>
           </a:p>
@@ -611,7 +617,7 @@
             <a:fld id="{B61BEF0D-F0BB-DE4B-95CE-6DB70DBA9567}" type="datetimeFigureOut">
               <a:rPr lang="en-US" dirty="0"/>
               <a:pPr/>
-              <a:t>8/26/2015</a:t>
+              <a:t>8/27/2015</a:t>
             </a:fld>
             <a:endParaRPr lang="en-US" dirty="0"/>
           </a:p>
@@ -867,7 +873,7 @@
             <a:fld id="{B61BEF0D-F0BB-DE4B-95CE-6DB70DBA9567}" type="datetimeFigureOut">
               <a:rPr lang="en-US" dirty="0"/>
               <a:pPr/>
-              <a:t>8/26/2015</a:t>
+              <a:t>8/27/2015</a:t>
             </a:fld>
             <a:endParaRPr lang="en-US" dirty="0"/>
           </a:p>
@@ -1333,7 +1339,7 @@
             <a:fld id="{B61BEF0D-F0BB-DE4B-95CE-6DB70DBA9567}" type="datetimeFigureOut">
               <a:rPr lang="en-US" dirty="0"/>
               <a:pPr/>
-              <a:t>8/26/2015</a:t>
+              <a:t>8/27/2015</a:t>
             </a:fld>
             <a:endParaRPr lang="en-US" dirty="0"/>
           </a:p>
@@ -1510,7 +1516,7 @@
             <a:fld id="{B61BEF0D-F0BB-DE4B-95CE-6DB70DBA9567}" type="datetimeFigureOut">
               <a:rPr lang="en-US" dirty="0"/>
               <a:pPr/>
-              <a:t>8/26/2015</a:t>
+              <a:t>8/27/2015</a:t>
             </a:fld>
             <a:endParaRPr lang="en-US" dirty="0"/>
           </a:p>
@@ -2083,7 +2089,7 @@
             <a:fld id="{B61BEF0D-F0BB-DE4B-95CE-6DB70DBA9567}" type="datetimeFigureOut">
               <a:rPr lang="en-US" dirty="0"/>
               <a:pPr/>
-              <a:t>8/26/2015</a:t>
+              <a:t>8/27/2015</a:t>
             </a:fld>
             <a:endParaRPr lang="en-US" dirty="0"/>
           </a:p>
@@ -2412,7 +2418,7 @@
             <a:fld id="{B61BEF0D-F0BB-DE4B-95CE-6DB70DBA9567}" type="datetimeFigureOut">
               <a:rPr lang="en-US" dirty="0"/>
               <a:pPr/>
-              <a:t>8/26/2015</a:t>
+              <a:t>8/27/2015</a:t>
             </a:fld>
             <a:endParaRPr lang="en-US" dirty="0"/>
           </a:p>
@@ -2584,7 +2590,7 @@
             <a:fld id="{B61BEF0D-F0BB-DE4B-95CE-6DB70DBA9567}" type="datetimeFigureOut">
               <a:rPr lang="en-US" dirty="0"/>
               <a:pPr/>
-              <a:t>8/26/2015</a:t>
+              <a:t>8/27/2015</a:t>
             </a:fld>
             <a:endParaRPr lang="en-US" dirty="0"/>
           </a:p>
@@ -2761,7 +2767,7 @@
             <a:fld id="{B61BEF0D-F0BB-DE4B-95CE-6DB70DBA9567}" type="datetimeFigureOut">
               <a:rPr lang="en-US" dirty="0"/>
               <a:pPr/>
-              <a:t>8/26/2015</a:t>
+              <a:t>8/27/2015</a:t>
             </a:fld>
             <a:endParaRPr lang="en-US" dirty="0"/>
           </a:p>
@@ -2928,7 +2934,7 @@
             <a:fld id="{B61BEF0D-F0BB-DE4B-95CE-6DB70DBA9567}" type="datetimeFigureOut">
               <a:rPr lang="en-US" dirty="0"/>
               <a:pPr/>
-              <a:t>8/26/2015</a:t>
+              <a:t>8/27/2015</a:t>
             </a:fld>
             <a:endParaRPr lang="en-US" dirty="0"/>
           </a:p>
@@ -3182,7 +3188,7 @@
             <a:fld id="{B61BEF0D-F0BB-DE4B-95CE-6DB70DBA9567}" type="datetimeFigureOut">
               <a:rPr lang="en-US" dirty="0"/>
               <a:pPr/>
-              <a:t>8/26/2015</a:t>
+              <a:t>8/27/2015</a:t>
             </a:fld>
             <a:endParaRPr lang="en-US" dirty="0"/>
           </a:p>
@@ -3471,7 +3477,7 @@
             <a:fld id="{B61BEF0D-F0BB-DE4B-95CE-6DB70DBA9567}" type="datetimeFigureOut">
               <a:rPr lang="en-US" dirty="0"/>
               <a:pPr/>
-              <a:t>8/26/2015</a:t>
+              <a:t>8/27/2015</a:t>
             </a:fld>
             <a:endParaRPr lang="en-US" dirty="0"/>
           </a:p>
@@ -3898,7 +3904,7 @@
             <a:fld id="{B61BEF0D-F0BB-DE4B-95CE-6DB70DBA9567}" type="datetimeFigureOut">
               <a:rPr lang="en-US" dirty="0"/>
               <a:pPr/>
-              <a:t>8/26/2015</a:t>
+              <a:t>8/27/2015</a:t>
             </a:fld>
             <a:endParaRPr lang="en-US" dirty="0"/>
           </a:p>
@@ -4013,7 +4019,7 @@
             <a:fld id="{B61BEF0D-F0BB-DE4B-95CE-6DB70DBA9567}" type="datetimeFigureOut">
               <a:rPr lang="en-US" dirty="0"/>
               <a:pPr/>
-              <a:t>8/26/2015</a:t>
+              <a:t>8/27/2015</a:t>
             </a:fld>
             <a:endParaRPr lang="en-US" dirty="0"/>
           </a:p>
@@ -4105,7 +4111,7 @@
             <a:fld id="{B61BEF0D-F0BB-DE4B-95CE-6DB70DBA9567}" type="datetimeFigureOut">
               <a:rPr lang="en-US" dirty="0"/>
               <a:pPr/>
-              <a:t>8/26/2015</a:t>
+              <a:t>8/27/2015</a:t>
             </a:fld>
             <a:endParaRPr lang="en-US" dirty="0"/>
           </a:p>
@@ -4385,7 +4391,7 @@
             <a:fld id="{B61BEF0D-F0BB-DE4B-95CE-6DB70DBA9567}" type="datetimeFigureOut">
               <a:rPr lang="en-US" dirty="0"/>
               <a:pPr/>
-              <a:t>8/26/2015</a:t>
+              <a:t>8/27/2015</a:t>
             </a:fld>
             <a:endParaRPr lang="en-US" dirty="0"/>
           </a:p>
@@ -4673,7 +4679,7 @@
             <a:fld id="{B61BEF0D-F0BB-DE4B-95CE-6DB70DBA9567}" type="datetimeFigureOut">
               <a:rPr lang="en-US" dirty="0"/>
               <a:pPr/>
-              <a:t>8/26/2015</a:t>
+              <a:t>8/27/2015</a:t>
             </a:fld>
             <a:endParaRPr lang="en-US" dirty="0"/>
           </a:p>
@@ -4901,7 +4907,7 @@
             <a:fld id="{B61BEF0D-F0BB-DE4B-95CE-6DB70DBA9567}" type="datetimeFigureOut">
               <a:rPr lang="en-US" dirty="0"/>
               <a:pPr/>
-              <a:t>8/26/2015</a:t>
+              <a:t>8/27/2015</a:t>
             </a:fld>
             <a:endParaRPr lang="en-US" dirty="0"/>
           </a:p>
@@ -5676,11 +5682,27 @@
             <p:ph type="ctrTitle"/>
           </p:nvPr>
         </p:nvSpPr>
-        <p:spPr/>
+        <p:spPr>
+          <a:xfrm>
+            <a:off x="1751012" y="609601"/>
+            <a:ext cx="8676222" cy="3654902"/>
+          </a:xfrm>
+        </p:spPr>
         <p:txBody>
           <a:bodyPr/>
           <a:lstStyle/>
           <a:p>
+            <a:r>
+              <a:rPr lang="en-US" dirty="0" smtClean="0"/>
+              <a:t/>
+            </a:r>
+            <a:br>
+              <a:rPr lang="en-US" dirty="0" smtClean="0"/>
+            </a:br>
+            <a:r>
+              <a:rPr lang="en-US" dirty="0" smtClean="0"/>
+              <a:t>Guava vs java 8</a:t>
+            </a:r>
             <a:endParaRPr lang="uk-UA" dirty="0"/>
           </a:p>
         </p:txBody>
@@ -5695,15 +5717,156 @@
             <p:ph type="subTitle" idx="1"/>
           </p:nvPr>
         </p:nvSpPr>
-        <p:spPr/>
+        <p:spPr>
+          <a:xfrm>
+            <a:off x="1864301" y="4383860"/>
+            <a:ext cx="8676222" cy="1905000"/>
+          </a:xfrm>
+        </p:spPr>
         <p:txBody>
           <a:bodyPr/>
           <a:lstStyle/>
           <a:p>
-            <a:endParaRPr lang="uk-UA"/>
-          </a:p>
-        </p:txBody>
-      </p:sp>
+            <a:pPr algn="r"/>
+            <a:r>
+              <a:rPr lang="en-US" dirty="0"/>
+              <a:t>u</a:t>
+            </a:r>
+            <a:r>
+              <a:rPr lang="en-US" dirty="0" smtClean="0"/>
+              <a:t>se the best of both </a:t>
+            </a:r>
+            <a:endParaRPr lang="uk-UA" dirty="0"/>
+          </a:p>
+        </p:txBody>
+      </p:sp>
+      <p:pic>
+        <p:nvPicPr>
+          <p:cNvPr id="1030" name="Picture 6" descr="http://www.digitalstrategyconsulting.com/netimperative/guava.jpg"/>
+          <p:cNvPicPr>
+            <a:picLocks noChangeAspect="1" noChangeArrowheads="1"/>
+          </p:cNvPicPr>
+          <p:nvPr/>
+        </p:nvPicPr>
+        <p:blipFill>
+          <a:blip r:embed="rId2">
+            <a:extLst>
+              <a:ext uri="{28A0092B-C50C-407E-A947-70E740481C1C}">
+                <a14:useLocalDpi xmlns:a14="http://schemas.microsoft.com/office/drawing/2010/main" val="0"/>
+              </a:ext>
+            </a:extLst>
+          </a:blip>
+          <a:srcRect/>
+          <a:stretch>
+            <a:fillRect/>
+          </a:stretch>
+        </p:blipFill>
+        <p:spPr bwMode="auto">
+          <a:xfrm>
+            <a:off x="1751012" y="1197621"/>
+            <a:ext cx="2954796" cy="1341832"/>
+          </a:xfrm>
+          <a:prstGeom prst="rect">
+            <a:avLst/>
+          </a:prstGeom>
+          <a:noFill/>
+          <a:ln>
+            <a:noFill/>
+          </a:ln>
+          <a:effectLst>
+            <a:outerShdw blurRad="127000" dist="38100" dir="2700000" algn="ctr">
+              <a:srgbClr val="000000">
+                <a:alpha val="45000"/>
+              </a:srgbClr>
+            </a:outerShdw>
+          </a:effectLst>
+          <a:scene3d>
+            <a:camera prst="perspectiveFront" fov="2700000">
+              <a:rot lat="20376000" lon="1938000" rev="20112001"/>
+            </a:camera>
+            <a:lightRig rig="soft" dir="t">
+              <a:rot lat="0" lon="0" rev="0"/>
+            </a:lightRig>
+          </a:scene3d>
+          <a:sp3d prstMaterial="translucentPowder">
+            <a:bevelT w="203200" h="50800" prst="softRound"/>
+          </a:sp3d>
+          <a:extLst>
+            <a:ext uri="{909E8E84-426E-40DD-AFC4-6F175D3DCCD1}">
+              <a14:hiddenFill xmlns:a14="http://schemas.microsoft.com/office/drawing/2010/main">
+                <a:solidFill>
+                  <a:srgbClr val="FFFFFF"/>
+                </a:solidFill>
+              </a14:hiddenFill>
+            </a:ext>
+          </a:extLst>
+        </p:spPr>
+      </p:pic>
+      <p:pic>
+        <p:nvPicPr>
+          <p:cNvPr id="1034" name="Picture 10" descr="http://github-service-universe.kimminich.de/assets/logos/java8_logo.png"/>
+          <p:cNvPicPr>
+            <a:picLocks noChangeAspect="1" noChangeArrowheads="1"/>
+          </p:cNvPicPr>
+          <p:nvPr/>
+        </p:nvPicPr>
+        <p:blipFill>
+          <a:blip r:embed="rId3">
+            <a:extLst>
+              <a:ext uri="{28A0092B-C50C-407E-A947-70E740481C1C}">
+                <a14:useLocalDpi xmlns:a14="http://schemas.microsoft.com/office/drawing/2010/main" val="0"/>
+              </a:ext>
+            </a:extLst>
+          </a:blip>
+          <a:srcRect/>
+          <a:stretch>
+            <a:fillRect/>
+          </a:stretch>
+        </p:blipFill>
+        <p:spPr bwMode="auto">
+          <a:xfrm>
+            <a:off x="7546966" y="533402"/>
+            <a:ext cx="2341502" cy="2323941"/>
+          </a:xfrm>
+          <a:prstGeom prst="rect">
+            <a:avLst/>
+          </a:prstGeom>
+          <a:noFill/>
+          <a:ln w="34925">
+            <a:solidFill>
+              <a:srgbClr val="FFFFFF"/>
+            </a:solidFill>
+          </a:ln>
+          <a:effectLst>
+            <a:outerShdw blurRad="317500" dir="2700000" algn="ctr">
+              <a:srgbClr val="000000">
+                <a:alpha val="43000"/>
+              </a:srgbClr>
+            </a:outerShdw>
+          </a:effectLst>
+          <a:scene3d>
+            <a:camera prst="perspectiveFront" fov="2700000">
+              <a:rot lat="19086000" lon="19067999" rev="3108000"/>
+            </a:camera>
+            <a:lightRig rig="threePt" dir="t">
+              <a:rot lat="0" lon="0" rev="0"/>
+            </a:lightRig>
+          </a:scene3d>
+          <a:sp3d extrusionH="38100" prstMaterial="clear">
+            <a:bevelT w="260350" h="50800" prst="softRound"/>
+            <a:bevelB prst="softRound"/>
+          </a:sp3d>
+          <a:extLst>
+            <a:ext uri="{909E8E84-426E-40DD-AFC4-6F175D3DCCD1}">
+              <a14:hiddenFill xmlns:a14="http://schemas.microsoft.com/office/drawing/2010/main">
+                <a:solidFill>
+                  <a:srgbClr val="FFFFFF"/>
+                </a:solidFill>
+              </a14:hiddenFill>
+            </a:ext>
+          </a:extLst>
+        </p:spPr>
+      </p:pic>
     </p:spTree>
     <p:extLst>
       <p:ext uri="{BB962C8B-B14F-4D97-AF65-F5344CB8AC3E}">
@@ -5725,6 +5888,156 @@
 </file>
 
 <file path=ppt/slides/slide2.xml><?xml version="1.0" encoding="utf-8"?>
+<p:sld xmlns:a="http://schemas.openxmlformats.org/drawingml/2006/main" xmlns:r="http://schemas.openxmlformats.org/officeDocument/2006/relationships" xmlns:p="http://schemas.openxmlformats.org/presentationml/2006/main">
+  <p:cSld>
+    <p:spTree>
+      <p:nvGrpSpPr>
+        <p:cNvPr id="1" name=""/>
+        <p:cNvGrpSpPr/>
+        <p:nvPr/>
+      </p:nvGrpSpPr>
+      <p:grpSpPr>
+        <a:xfrm>
+          <a:off x="0" y="0"/>
+          <a:ext cx="0" cy="0"/>
+          <a:chOff x="0" y="0"/>
+          <a:chExt cx="0" cy="0"/>
+        </a:xfrm>
+      </p:grpSpPr>
+      <p:sp>
+        <p:nvSpPr>
+          <p:cNvPr id="2" name="Заголовок 1"/>
+          <p:cNvSpPr>
+            <a:spLocks noGrp="1"/>
+          </p:cNvSpPr>
+          <p:nvPr>
+            <p:ph type="title"/>
+          </p:nvPr>
+        </p:nvSpPr>
+        <p:spPr>
+          <a:xfrm>
+            <a:off x="1141413" y="609600"/>
+            <a:ext cx="9905998" cy="960256"/>
+          </a:xfrm>
+        </p:spPr>
+        <p:txBody>
+          <a:bodyPr/>
+          <a:lstStyle/>
+          <a:p>
+            <a:r>
+              <a:rPr lang="en-US" dirty="0" smtClean="0"/>
+              <a:t>Agenda</a:t>
+            </a:r>
+            <a:endParaRPr lang="ru-RU" dirty="0"/>
+          </a:p>
+        </p:txBody>
+      </p:sp>
+      <p:sp>
+        <p:nvSpPr>
+          <p:cNvPr id="3" name="Объект 2"/>
+          <p:cNvSpPr>
+            <a:spLocks noGrp="1"/>
+          </p:cNvSpPr>
+          <p:nvPr>
+            <p:ph idx="1"/>
+          </p:nvPr>
+        </p:nvSpPr>
+        <p:spPr>
+          <a:xfrm>
+            <a:off x="1141413" y="1569857"/>
+            <a:ext cx="9905998" cy="4221344"/>
+          </a:xfrm>
+        </p:spPr>
+        <p:txBody>
+          <a:bodyPr/>
+          <a:lstStyle/>
+          <a:p>
+            <a:r>
+              <a:rPr lang="en-US" dirty="0"/>
+              <a:t>Remnants of old iterative </a:t>
+            </a:r>
+            <a:r>
+              <a:rPr lang="en-US" dirty="0" smtClean="0"/>
+              <a:t>approaches</a:t>
+            </a:r>
+          </a:p>
+          <a:p>
+            <a:r>
+              <a:rPr lang="en-US" dirty="0" smtClean="0"/>
+              <a:t>Functional idioms</a:t>
+            </a:r>
+          </a:p>
+          <a:p>
+            <a:r>
+              <a:rPr lang="en-US" dirty="0" smtClean="0"/>
+              <a:t>Guava and Java 8 implementations</a:t>
+            </a:r>
+            <a:r>
+              <a:rPr lang="en-US" dirty="0"/>
+              <a:t>: </a:t>
+            </a:r>
+            <a:r>
+              <a:rPr lang="en-US" dirty="0" smtClean="0"/>
+              <a:t>Functional programming </a:t>
+            </a:r>
+            <a:r>
+              <a:rPr lang="en-US" dirty="0"/>
+              <a:t>or </a:t>
+            </a:r>
+            <a:r>
+              <a:rPr lang="en-US" dirty="0" smtClean="0"/>
+              <a:t>the Purest </a:t>
+            </a:r>
+            <a:r>
+              <a:rPr lang="en-US" dirty="0"/>
+              <a:t>OOP</a:t>
+            </a:r>
+            <a:endParaRPr lang="ru-RU" dirty="0"/>
+          </a:p>
+          <a:p>
+            <a:r>
+              <a:rPr lang="en-US" dirty="0" smtClean="0"/>
+              <a:t>Everything </a:t>
+            </a:r>
+            <a:r>
+              <a:rPr lang="en-US" dirty="0"/>
+              <a:t>is </a:t>
+            </a:r>
+            <a:r>
+              <a:rPr lang="en-US" dirty="0" smtClean="0"/>
+              <a:t>lambda</a:t>
+            </a:r>
+          </a:p>
+          <a:p>
+            <a:r>
+              <a:rPr lang="en-US" dirty="0"/>
+              <a:t>We need more features: Optional, Splitter, Joiner, Range, Ordering </a:t>
+            </a:r>
+            <a:endParaRPr lang="en-US" dirty="0" smtClean="0"/>
+          </a:p>
+        </p:txBody>
+      </p:sp>
+    </p:spTree>
+    <p:extLst>
+      <p:ext uri="{BB962C8B-B14F-4D97-AF65-F5344CB8AC3E}">
+        <p14:creationId xmlns:p14="http://schemas.microsoft.com/office/powerpoint/2010/main" val="780639332"/>
+      </p:ext>
+    </p:extLst>
+  </p:cSld>
+  <p:clrMapOvr>
+    <a:masterClrMapping/>
+  </p:clrMapOvr>
+  <p:timing>
+    <p:tnLst>
+      <p:par>
+        <p:cTn id="1" dur="indefinite" restart="never" nodeType="tmRoot"/>
+      </p:par>
+    </p:tnLst>
+  </p:timing>
+</p:sld>
+</file>
+
+<file path=ppt/slides/slide3.xml><?xml version="1.0" encoding="utf-8"?>
 <p:sld xmlns:a="http://schemas.openxmlformats.org/drawingml/2006/main" xmlns:r="http://schemas.openxmlformats.org/officeDocument/2006/relationships" xmlns:p="http://schemas.openxmlformats.org/presentationml/2006/main">
   <p:cSld>
     <p:spTree>
@@ -5821,7 +6134,7 @@
 </p:sld>
 </file>
 
-<file path=ppt/slides/slide3.xml><?xml version="1.0" encoding="utf-8"?>
+<file path=ppt/slides/slide4.xml><?xml version="1.0" encoding="utf-8"?>
 <p:sld xmlns:a="http://schemas.openxmlformats.org/drawingml/2006/main" xmlns:r="http://schemas.openxmlformats.org/officeDocument/2006/relationships" xmlns:p="http://schemas.openxmlformats.org/presentationml/2006/main">
   <p:cSld>
     <p:spTree>
@@ -5878,6 +6191,13 @@
   <p:clrMapOvr>
     <a:masterClrMapping/>
   </p:clrMapOvr>
+  <p:timing>
+    <p:tnLst>
+      <p:par>
+        <p:cTn id="1" dur="indefinite" restart="never" nodeType="tmRoot"/>
+      </p:par>
+    </p:tnLst>
+  </p:timing>
 </p:sld>
 </file>
 
